--- a/Práctica 3/PRESENTACION.pptx
+++ b/Práctica 3/PRESENTACION.pptx
@@ -351,7 +351,7 @@
             <a:fld id="{5586B75A-687E-405C-8A0B-8D00578BA2C3}" type="datetimeFigureOut">
               <a:rPr lang="en-US" smtClean="0"/>
               <a:pPr/>
-              <a:t>1/11/2019</a:t>
+              <a:t>1/13/2019</a:t>
             </a:fld>
             <a:endParaRPr lang="en-US" dirty="0"/>
           </a:p>
@@ -394,7 +394,7 @@
             <a:fld id="{4FAB73BC-B049-4115-A692-8D63A059BFB8}" type="slidenum">
               <a:rPr lang="en-US" smtClean="0"/>
               <a:pPr/>
-              <a:t>‹Nº›</a:t>
+              <a:t>‹#›</a:t>
             </a:fld>
             <a:endParaRPr lang="en-US" dirty="0"/>
           </a:p>
@@ -523,7 +523,7 @@
             <a:fld id="{5586B75A-687E-405C-8A0B-8D00578BA2C3}" type="datetimeFigureOut">
               <a:rPr lang="en-US" smtClean="0"/>
               <a:pPr/>
-              <a:t>1/11/2019</a:t>
+              <a:t>1/13/2019</a:t>
             </a:fld>
             <a:endParaRPr lang="en-US" dirty="0"/>
           </a:p>
@@ -566,7 +566,7 @@
             <a:fld id="{4FAB73BC-B049-4115-A692-8D63A059BFB8}" type="slidenum">
               <a:rPr lang="en-US" smtClean="0"/>
               <a:pPr/>
-              <a:t>‹Nº›</a:t>
+              <a:t>‹#›</a:t>
             </a:fld>
             <a:endParaRPr lang="en-US" dirty="0"/>
           </a:p>
@@ -705,7 +705,7 @@
             <a:fld id="{5586B75A-687E-405C-8A0B-8D00578BA2C3}" type="datetimeFigureOut">
               <a:rPr lang="en-US" smtClean="0"/>
               <a:pPr/>
-              <a:t>1/11/2019</a:t>
+              <a:t>1/13/2019</a:t>
             </a:fld>
             <a:endParaRPr lang="en-US" dirty="0"/>
           </a:p>
@@ -748,7 +748,7 @@
             <a:fld id="{4FAB73BC-B049-4115-A692-8D63A059BFB8}" type="slidenum">
               <a:rPr lang="en-US" smtClean="0"/>
               <a:pPr/>
-              <a:t>‹Nº›</a:t>
+              <a:t>‹#›</a:t>
             </a:fld>
             <a:endParaRPr lang="en-US" dirty="0"/>
           </a:p>
@@ -877,7 +877,7 @@
             <a:fld id="{5586B75A-687E-405C-8A0B-8D00578BA2C3}" type="datetimeFigureOut">
               <a:rPr lang="en-US" smtClean="0"/>
               <a:pPr/>
-              <a:t>1/11/2019</a:t>
+              <a:t>1/13/2019</a:t>
             </a:fld>
             <a:endParaRPr lang="en-US" dirty="0"/>
           </a:p>
@@ -920,7 +920,7 @@
             <a:fld id="{4FAB73BC-B049-4115-A692-8D63A059BFB8}" type="slidenum">
               <a:rPr lang="en-US" smtClean="0"/>
               <a:pPr/>
-              <a:t>‹Nº›</a:t>
+              <a:t>‹#›</a:t>
             </a:fld>
             <a:endParaRPr lang="en-US" dirty="0"/>
           </a:p>
@@ -1137,7 +1137,7 @@
             <a:fld id="{5586B75A-687E-405C-8A0B-8D00578BA2C3}" type="datetimeFigureOut">
               <a:rPr lang="en-US" smtClean="0"/>
               <a:pPr/>
-              <a:t>1/11/2019</a:t>
+              <a:t>1/13/2019</a:t>
             </a:fld>
             <a:endParaRPr lang="en-US" dirty="0"/>
           </a:p>
@@ -1180,7 +1180,7 @@
             <a:fld id="{4FAB73BC-B049-4115-A692-8D63A059BFB8}" type="slidenum">
               <a:rPr lang="en-US" smtClean="0"/>
               <a:pPr/>
-              <a:t>‹Nº›</a:t>
+              <a:t>‹#›</a:t>
             </a:fld>
             <a:endParaRPr lang="en-US" dirty="0"/>
           </a:p>
@@ -1427,7 +1427,7 @@
             <a:fld id="{5586B75A-687E-405C-8A0B-8D00578BA2C3}" type="datetimeFigureOut">
               <a:rPr lang="en-US" smtClean="0"/>
               <a:pPr/>
-              <a:t>1/11/2019</a:t>
+              <a:t>1/13/2019</a:t>
             </a:fld>
             <a:endParaRPr lang="en-US" dirty="0"/>
           </a:p>
@@ -1470,7 +1470,7 @@
             <a:fld id="{4FAB73BC-B049-4115-A692-8D63A059BFB8}" type="slidenum">
               <a:rPr lang="en-US" smtClean="0"/>
               <a:pPr/>
-              <a:t>‹Nº›</a:t>
+              <a:t>‹#›</a:t>
             </a:fld>
             <a:endParaRPr lang="en-US" dirty="0"/>
           </a:p>
@@ -1871,7 +1871,7 @@
             <a:fld id="{5586B75A-687E-405C-8A0B-8D00578BA2C3}" type="datetimeFigureOut">
               <a:rPr lang="en-US" smtClean="0"/>
               <a:pPr/>
-              <a:t>1/11/2019</a:t>
+              <a:t>1/13/2019</a:t>
             </a:fld>
             <a:endParaRPr lang="en-US" dirty="0"/>
           </a:p>
@@ -1914,7 +1914,7 @@
             <a:fld id="{4FAB73BC-B049-4115-A692-8D63A059BFB8}" type="slidenum">
               <a:rPr lang="en-US" smtClean="0"/>
               <a:pPr/>
-              <a:t>‹Nº›</a:t>
+              <a:t>‹#›</a:t>
             </a:fld>
             <a:endParaRPr lang="en-US" dirty="0"/>
           </a:p>
@@ -1991,7 +1991,7 @@
             <a:fld id="{5586B75A-687E-405C-8A0B-8D00578BA2C3}" type="datetimeFigureOut">
               <a:rPr lang="en-US" smtClean="0"/>
               <a:pPr/>
-              <a:t>1/11/2019</a:t>
+              <a:t>1/13/2019</a:t>
             </a:fld>
             <a:endParaRPr lang="en-US" dirty="0"/>
           </a:p>
@@ -2034,7 +2034,7 @@
             <a:fld id="{4FAB73BC-B049-4115-A692-8D63A059BFB8}" type="slidenum">
               <a:rPr lang="en-US" smtClean="0"/>
               <a:pPr/>
-              <a:t>‹Nº›</a:t>
+              <a:t>‹#›</a:t>
             </a:fld>
             <a:endParaRPr lang="en-US" dirty="0"/>
           </a:p>
@@ -2088,7 +2088,7 @@
             <a:fld id="{5586B75A-687E-405C-8A0B-8D00578BA2C3}" type="datetimeFigureOut">
               <a:rPr lang="en-US" smtClean="0"/>
               <a:pPr/>
-              <a:t>1/11/2019</a:t>
+              <a:t>1/13/2019</a:t>
             </a:fld>
             <a:endParaRPr lang="en-US" dirty="0"/>
           </a:p>
@@ -2131,7 +2131,7 @@
             <a:fld id="{4FAB73BC-B049-4115-A692-8D63A059BFB8}" type="slidenum">
               <a:rPr lang="en-US" smtClean="0"/>
               <a:pPr/>
-              <a:t>‹Nº›</a:t>
+              <a:t>‹#›</a:t>
             </a:fld>
             <a:endParaRPr lang="en-US" dirty="0"/>
           </a:p>
@@ -2378,7 +2378,7 @@
             <a:fld id="{5586B75A-687E-405C-8A0B-8D00578BA2C3}" type="datetimeFigureOut">
               <a:rPr lang="en-US" smtClean="0"/>
               <a:pPr/>
-              <a:t>1/11/2019</a:t>
+              <a:t>1/13/2019</a:t>
             </a:fld>
             <a:endParaRPr lang="en-US" dirty="0"/>
           </a:p>
@@ -2421,7 +2421,7 @@
             <a:fld id="{4FAB73BC-B049-4115-A692-8D63A059BFB8}" type="slidenum">
               <a:rPr lang="en-US" smtClean="0"/>
               <a:pPr/>
-              <a:t>‹Nº›</a:t>
+              <a:t>‹#›</a:t>
             </a:fld>
             <a:endParaRPr lang="en-US" dirty="0"/>
           </a:p>
@@ -2653,7 +2653,7 @@
             <a:fld id="{5586B75A-687E-405C-8A0B-8D00578BA2C3}" type="datetimeFigureOut">
               <a:rPr lang="en-US" smtClean="0"/>
               <a:pPr/>
-              <a:t>1/11/2019</a:t>
+              <a:t>1/13/2019</a:t>
             </a:fld>
             <a:endParaRPr lang="en-US" dirty="0"/>
           </a:p>
@@ -2701,7 +2701,7 @@
             <a:fld id="{4FAB73BC-B049-4115-A692-8D63A059BFB8}" type="slidenum">
               <a:rPr lang="en-US" smtClean="0"/>
               <a:pPr/>
-              <a:t>‹Nº›</a:t>
+              <a:t>‹#›</a:t>
             </a:fld>
             <a:endParaRPr lang="en-US" dirty="0"/>
           </a:p>
@@ -2952,7 +2952,7 @@
             <a:fld id="{5586B75A-687E-405C-8A0B-8D00578BA2C3}" type="datetimeFigureOut">
               <a:rPr lang="en-US" smtClean="0"/>
               <a:pPr/>
-              <a:t>1/11/2019</a:t>
+              <a:t>1/13/2019</a:t>
             </a:fld>
             <a:endParaRPr lang="en-US" dirty="0"/>
           </a:p>
@@ -3030,7 +3030,7 @@
             <a:fld id="{4FAB73BC-B049-4115-A692-8D63A059BFB8}" type="slidenum">
               <a:rPr lang="en-US" smtClean="0"/>
               <a:pPr/>
-              <a:t>‹Nº›</a:t>
+              <a:t>‹#›</a:t>
             </a:fld>
             <a:endParaRPr lang="en-US" dirty="0"/>
           </a:p>
@@ -3904,7 +3904,7 @@
         </p:nvSpPr>
         <p:spPr>
           <a:xfrm>
-            <a:off x="-7913" y="-367551"/>
+            <a:off x="99703" y="472035"/>
             <a:ext cx="5422097" cy="3615655"/>
           </a:xfrm>
         </p:spPr>
@@ -4042,8 +4042,8 @@
         </p:nvSpPr>
         <p:spPr>
           <a:xfrm>
-            <a:off x="184462" y="578503"/>
-            <a:ext cx="3665989" cy="861774"/>
+            <a:off x="76396" y="758952"/>
+            <a:ext cx="3665989" cy="923330"/>
           </a:xfrm>
           <a:prstGeom prst="rect">
             <a:avLst/>
@@ -4057,7 +4057,7 @@
           <a:lstStyle/>
           <a:p>
             <a:r>
-              <a:rPr lang="es-ES" sz="5000" b="1" dirty="0">
+              <a:rPr lang="es-ES" sz="5400" b="1" dirty="0">
                 <a:solidFill>
                   <a:schemeClr val="bg1"/>
                 </a:solidFill>
@@ -4069,10 +4069,10 @@
       </p:sp>
       <p:pic>
         <p:nvPicPr>
-          <p:cNvPr id="4" name="Imagen 3">
-            <a:extLst>
-              <a:ext uri="{FF2B5EF4-FFF2-40B4-BE49-F238E27FC236}">
-                <a16:creationId xmlns:a16="http://schemas.microsoft.com/office/drawing/2014/main" id="{014BF5B8-3572-4488-951E-FDF03DBCBCD2}"/>
+          <p:cNvPr id="6" name="Picture 5" descr="A screenshot of a cell phone&#10;&#10;Description automatically generated">
+            <a:extLst>
+              <a:ext uri="{FF2B5EF4-FFF2-40B4-BE49-F238E27FC236}">
+                <a16:creationId xmlns:a16="http://schemas.microsoft.com/office/drawing/2014/main" id="{041F526A-27E0-47BF-855D-F4D1769AAF88}"/>
               </a:ext>
             </a:extLst>
           </p:cNvPr>
@@ -4089,8 +4089,8 @@
         </p:blipFill>
         <p:spPr>
           <a:xfrm>
-            <a:off x="3647049" y="830860"/>
-            <a:ext cx="7534995" cy="5201480"/>
+            <a:off x="4413890" y="1005840"/>
+            <a:ext cx="7364903" cy="5084064"/>
           </a:xfrm>
           <a:prstGeom prst="rect">
             <a:avLst/>
@@ -4380,7 +4380,7 @@
         </p:nvSpPr>
         <p:spPr>
           <a:xfrm>
-            <a:off x="-7913" y="-367551"/>
+            <a:off x="0" y="578503"/>
             <a:ext cx="5422097" cy="3615655"/>
           </a:xfrm>
         </p:spPr>
@@ -4526,8 +4526,8 @@
         </p:nvSpPr>
         <p:spPr>
           <a:xfrm>
-            <a:off x="184462" y="578503"/>
-            <a:ext cx="3665989" cy="861774"/>
+            <a:off x="151211" y="758952"/>
+            <a:ext cx="3665989" cy="923330"/>
           </a:xfrm>
           <a:prstGeom prst="rect">
             <a:avLst/>
@@ -4541,7 +4541,7 @@
           <a:lstStyle/>
           <a:p>
             <a:r>
-              <a:rPr lang="es-ES" sz="5000" b="1" dirty="0">
+              <a:rPr lang="es-ES" sz="5400" b="1" dirty="0">
                 <a:solidFill>
                   <a:schemeClr val="bg1"/>
                 </a:solidFill>
@@ -4553,10 +4553,10 @@
       </p:sp>
       <p:pic>
         <p:nvPicPr>
-          <p:cNvPr id="5" name="Imagen 4">
-            <a:extLst>
-              <a:ext uri="{FF2B5EF4-FFF2-40B4-BE49-F238E27FC236}">
-                <a16:creationId xmlns:a16="http://schemas.microsoft.com/office/drawing/2014/main" id="{1D1335C5-B2CD-4DBC-989A-5922F346114B}"/>
+          <p:cNvPr id="6" name="Picture 5" descr="A screenshot of a computer screen&#10;&#10;Description automatically generated">
+            <a:extLst>
+              <a:ext uri="{FF2B5EF4-FFF2-40B4-BE49-F238E27FC236}">
+                <a16:creationId xmlns:a16="http://schemas.microsoft.com/office/drawing/2014/main" id="{34AC9DBB-AAB5-4988-AD73-AD5571606309}"/>
               </a:ext>
             </a:extLst>
           </p:cNvPr>
@@ -4573,8 +4573,8 @@
         </p:blipFill>
         <p:spPr>
           <a:xfrm>
-            <a:off x="4770873" y="1113683"/>
-            <a:ext cx="6517997" cy="4635834"/>
+            <a:off x="4701291" y="917232"/>
+            <a:ext cx="7050251" cy="5014392"/>
           </a:xfrm>
           <a:prstGeom prst="rect">
             <a:avLst/>
@@ -4864,8 +4864,8 @@
         </p:nvSpPr>
         <p:spPr>
           <a:xfrm>
-            <a:off x="-7913" y="351683"/>
-            <a:ext cx="5422097" cy="3615655"/>
+            <a:off x="-19209" y="1815518"/>
+            <a:ext cx="3665989" cy="3615655"/>
           </a:xfrm>
         </p:spPr>
         <p:txBody>
@@ -4931,11 +4931,8 @@
             </a:r>
             <a:r>
               <a:rPr lang="en-US" sz="4000" b="1" spc="-100" dirty="0"/>
-              <a:t> </a:t>
-            </a:r>
-            <a:br>
-              <a:rPr lang="en-US" sz="4000" b="1" spc="-100" dirty="0"/>
-            </a:br>
+              <a:t> de </a:t>
+            </a:r>
             <a:r>
               <a:rPr lang="en-US" sz="4000" b="1" spc="-100" dirty="0" err="1"/>
               <a:t>fallos</a:t>
@@ -5025,8 +5022,8 @@
         </p:nvSpPr>
         <p:spPr>
           <a:xfrm>
-            <a:off x="184462" y="578503"/>
-            <a:ext cx="3665989" cy="861774"/>
+            <a:off x="176149" y="806892"/>
+            <a:ext cx="3665989" cy="923330"/>
           </a:xfrm>
           <a:prstGeom prst="rect">
             <a:avLst/>
@@ -5040,7 +5037,7 @@
           <a:lstStyle/>
           <a:p>
             <a:r>
-              <a:rPr lang="es-ES" sz="5000" b="1" dirty="0">
+              <a:rPr lang="es-ES" sz="5400" b="1" dirty="0">
                 <a:solidFill>
                   <a:schemeClr val="bg1"/>
                 </a:solidFill>
@@ -5072,8 +5069,8 @@
         </p:blipFill>
         <p:spPr>
           <a:xfrm>
-            <a:off x="3563560" y="2047875"/>
-            <a:ext cx="7972425" cy="4429125"/>
+            <a:off x="3700638" y="1170198"/>
+            <a:ext cx="8115226" cy="4508459"/>
           </a:xfrm>
           <a:prstGeom prst="rect">
             <a:avLst/>
@@ -5363,7 +5360,7 @@
         </p:nvSpPr>
         <p:spPr>
           <a:xfrm>
-            <a:off x="95901" y="127400"/>
+            <a:off x="76834" y="1053518"/>
             <a:ext cx="5422097" cy="3615655"/>
           </a:xfrm>
         </p:spPr>
@@ -5516,8 +5513,8 @@
         </p:nvSpPr>
         <p:spPr>
           <a:xfrm>
-            <a:off x="184462" y="578503"/>
-            <a:ext cx="3665989" cy="861774"/>
+            <a:off x="0" y="758952"/>
+            <a:ext cx="3747577" cy="923330"/>
           </a:xfrm>
           <a:prstGeom prst="rect">
             <a:avLst/>
@@ -5531,7 +5528,7 @@
           <a:lstStyle/>
           <a:p>
             <a:r>
-              <a:rPr lang="es-ES" sz="5000" b="1" dirty="0">
+              <a:rPr lang="es-ES" sz="5400" b="1" dirty="0">
                 <a:solidFill>
                   <a:schemeClr val="bg1"/>
                 </a:solidFill>
@@ -5543,10 +5540,10 @@
       </p:sp>
       <p:pic>
         <p:nvPicPr>
-          <p:cNvPr id="4" name="Imagen 3">
-            <a:extLst>
-              <a:ext uri="{FF2B5EF4-FFF2-40B4-BE49-F238E27FC236}">
-                <a16:creationId xmlns:a16="http://schemas.microsoft.com/office/drawing/2014/main" id="{8B01898A-7E2E-47FF-87A5-1ED182D20A98}"/>
+          <p:cNvPr id="6" name="Picture 5" descr="A close up of a sign&#10;&#10;Description automatically generated">
+            <a:extLst>
+              <a:ext uri="{FF2B5EF4-FFF2-40B4-BE49-F238E27FC236}">
+                <a16:creationId xmlns:a16="http://schemas.microsoft.com/office/drawing/2014/main" id="{BE36CB77-4893-4DD1-892B-6173968F393E}"/>
               </a:ext>
             </a:extLst>
           </p:cNvPr>
@@ -5563,8 +5560,8 @@
         </p:blipFill>
         <p:spPr>
           <a:xfrm>
-            <a:off x="4060683" y="1297413"/>
-            <a:ext cx="7690859" cy="4254030"/>
+            <a:off x="4824954" y="1787236"/>
+            <a:ext cx="6862266" cy="3795712"/>
           </a:xfrm>
           <a:prstGeom prst="rect">
             <a:avLst/>
@@ -5854,7 +5851,7 @@
         </p:nvSpPr>
         <p:spPr>
           <a:xfrm>
-            <a:off x="-7913" y="351683"/>
+            <a:off x="6508" y="761999"/>
             <a:ext cx="5422097" cy="3615655"/>
           </a:xfrm>
         </p:spPr>
@@ -6015,8 +6012,8 @@
         </p:nvSpPr>
         <p:spPr>
           <a:xfrm>
-            <a:off x="184462" y="578503"/>
-            <a:ext cx="3665989" cy="861774"/>
+            <a:off x="159524" y="669943"/>
+            <a:ext cx="3665989" cy="923330"/>
           </a:xfrm>
           <a:prstGeom prst="rect">
             <a:avLst/>
@@ -6030,7 +6027,7 @@
           <a:lstStyle/>
           <a:p>
             <a:r>
-              <a:rPr lang="es-ES" sz="5000" b="1" dirty="0">
+              <a:rPr lang="es-ES" sz="5400" b="1" dirty="0">
                 <a:solidFill>
                   <a:schemeClr val="bg1"/>
                 </a:solidFill>
@@ -6062,7 +6059,7 @@
         </p:blipFill>
         <p:spPr>
           <a:xfrm>
-            <a:off x="4849207" y="1824857"/>
+            <a:off x="5131696" y="1940511"/>
             <a:ext cx="6194702" cy="3199142"/>
           </a:xfrm>
           <a:prstGeom prst="rect">
@@ -6365,7 +6362,7 @@
           <a:p>
             <a:pPr algn="r"/>
             <a:r>
-              <a:rPr lang="en-US" sz="13800" spc="-100" dirty="0"/>
+              <a:rPr lang="en-US" sz="13800" b="1" spc="-100" dirty="0"/>
               <a:t>FIN</a:t>
             </a:r>
           </a:p>
@@ -6880,10 +6877,10 @@
       </p:sp>
       <p:pic>
         <p:nvPicPr>
-          <p:cNvPr id="8" name="Imagen 7">
-            <a:extLst>
-              <a:ext uri="{FF2B5EF4-FFF2-40B4-BE49-F238E27FC236}">
-                <a16:creationId xmlns:a16="http://schemas.microsoft.com/office/drawing/2014/main" id="{EE456ED6-4825-4CAA-BA12-4EDA05DA22FC}"/>
+          <p:cNvPr id="5" name="Picture 4">
+            <a:extLst>
+              <a:ext uri="{FF2B5EF4-FFF2-40B4-BE49-F238E27FC236}">
+                <a16:creationId xmlns:a16="http://schemas.microsoft.com/office/drawing/2014/main" id="{35D63ECE-D1A4-4D3C-A810-1D622A36FC81}"/>
               </a:ext>
             </a:extLst>
           </p:cNvPr>
@@ -6900,8 +6897,8 @@
         </p:blipFill>
         <p:spPr>
           <a:xfrm>
-            <a:off x="4826508" y="894989"/>
-            <a:ext cx="6805076" cy="4943223"/>
+            <a:off x="4770873" y="895540"/>
+            <a:ext cx="6962775" cy="5057775"/>
           </a:xfrm>
           <a:prstGeom prst="rect">
             <a:avLst/>
@@ -7191,7 +7188,7 @@
         </p:nvSpPr>
         <p:spPr>
           <a:xfrm>
-            <a:off x="184461" y="668104"/>
+            <a:off x="171897" y="1616600"/>
             <a:ext cx="5422097" cy="3615655"/>
           </a:xfrm>
         </p:spPr>
@@ -7241,41 +7238,41 @@
               <a:rPr lang="en-US" sz="5500" b="1" spc="-100" dirty="0"/>
             </a:br>
             <a:r>
-              <a:rPr lang="en-US" sz="4000" b="1" spc="-100" dirty="0"/>
+              <a:rPr lang="en-US" sz="4400" b="1" spc="-100" dirty="0"/>
               <a:t>Red </a:t>
             </a:r>
             <a:r>
-              <a:rPr lang="en-US" sz="4000" b="1" spc="-100" dirty="0" err="1"/>
+              <a:rPr lang="en-US" sz="4400" b="1" spc="-100" dirty="0" err="1"/>
               <a:t>bayesiana</a:t>
             </a:r>
             <a:r>
-              <a:rPr lang="en-US" sz="4000" b="1" spc="-100" dirty="0"/>
+              <a:rPr lang="en-US" sz="4400" b="1" spc="-100" dirty="0"/>
               <a:t> </a:t>
             </a:r>
             <a:br>
-              <a:rPr lang="en-US" sz="4000" b="1" spc="-100" dirty="0"/>
-            </a:br>
-            <a:r>
-              <a:rPr lang="en-US" sz="4000" b="1" spc="-100" dirty="0"/>
+              <a:rPr lang="en-US" sz="4400" b="1" spc="-100" dirty="0"/>
+            </a:br>
+            <a:r>
+              <a:rPr lang="en-US" sz="4400" b="1" spc="-100" dirty="0"/>
               <a:t>del </a:t>
             </a:r>
             <a:r>
-              <a:rPr lang="en-US" sz="4000" b="1" spc="-100" dirty="0" err="1"/>
+              <a:rPr lang="en-US" sz="4400" b="1" spc="-100" dirty="0" err="1"/>
               <a:t>árbol</a:t>
             </a:r>
             <a:r>
-              <a:rPr lang="en-US" sz="4000" b="1" spc="-100" dirty="0"/>
+              <a:rPr lang="en-US" sz="4400" b="1" spc="-100" dirty="0"/>
               <a:t> de </a:t>
             </a:r>
             <a:br>
-              <a:rPr lang="en-US" sz="4000" b="1" spc="-100" dirty="0"/>
-            </a:br>
-            <a:r>
-              <a:rPr lang="en-US" sz="4000" b="1" spc="-100" dirty="0" err="1"/>
+              <a:rPr lang="en-US" sz="4400" b="1" spc="-100" dirty="0"/>
+            </a:br>
+            <a:r>
+              <a:rPr lang="en-US" sz="4400" b="1" spc="-100" dirty="0" err="1"/>
               <a:t>fallos</a:t>
             </a:r>
             <a:br>
-              <a:rPr lang="en-US" sz="5500" b="1" spc="-100" dirty="0"/>
+              <a:rPr lang="en-US" sz="6000" b="1" spc="-100" dirty="0"/>
             </a:br>
             <a:br>
               <a:rPr lang="en-US" sz="5500" b="1" spc="-100" dirty="0"/>
@@ -7355,8 +7352,8 @@
         </p:nvSpPr>
         <p:spPr>
           <a:xfrm>
-            <a:off x="184462" y="578503"/>
-            <a:ext cx="3665989" cy="861774"/>
+            <a:off x="171897" y="653318"/>
+            <a:ext cx="3665989" cy="923330"/>
           </a:xfrm>
           <a:prstGeom prst="rect">
             <a:avLst/>
@@ -7370,7 +7367,7 @@
           <a:lstStyle/>
           <a:p>
             <a:r>
-              <a:rPr lang="es-ES" sz="5000" b="1" dirty="0">
+              <a:rPr lang="es-ES" sz="5400" b="1" dirty="0">
                 <a:solidFill>
                   <a:schemeClr val="bg1"/>
                 </a:solidFill>
@@ -7402,8 +7399,8 @@
         </p:blipFill>
         <p:spPr>
           <a:xfrm>
-            <a:off x="4608354" y="1927811"/>
-            <a:ext cx="7152903" cy="3385411"/>
+            <a:off x="4770873" y="1927811"/>
+            <a:ext cx="6990384" cy="3385411"/>
           </a:xfrm>
           <a:prstGeom prst="rect">
             <a:avLst/>
@@ -7693,7 +7690,7 @@
         </p:nvSpPr>
         <p:spPr>
           <a:xfrm>
-            <a:off x="-7913" y="-367551"/>
+            <a:off x="0" y="134004"/>
             <a:ext cx="5422097" cy="3615655"/>
           </a:xfrm>
         </p:spPr>
@@ -7835,8 +7832,8 @@
         </p:nvSpPr>
         <p:spPr>
           <a:xfrm>
-            <a:off x="184462" y="578503"/>
-            <a:ext cx="3665989" cy="861774"/>
+            <a:off x="86604" y="869449"/>
+            <a:ext cx="3665989" cy="923330"/>
           </a:xfrm>
           <a:prstGeom prst="rect">
             <a:avLst/>
@@ -7850,7 +7847,7 @@
           <a:lstStyle/>
           <a:p>
             <a:r>
-              <a:rPr lang="es-ES" sz="5000" b="1" dirty="0">
+              <a:rPr lang="es-ES" sz="5400" b="1" dirty="0">
                 <a:solidFill>
                   <a:schemeClr val="bg1"/>
                 </a:solidFill>
@@ -7874,8 +7871,8 @@
         </p:nvSpPr>
         <p:spPr>
           <a:xfrm>
-            <a:off x="341455" y="3841407"/>
-            <a:ext cx="4429418" cy="2062103"/>
+            <a:off x="5040033" y="4471412"/>
+            <a:ext cx="5841326" cy="584775"/>
           </a:xfrm>
           <a:prstGeom prst="rect">
             <a:avLst/>
@@ -7883,48 +7880,17 @@
           <a:noFill/>
         </p:spPr>
         <p:txBody>
-          <a:bodyPr wrap="none" rtlCol="0">
+          <a:bodyPr wrap="square" rtlCol="0">
             <a:spAutoFit/>
           </a:bodyPr>
           <a:lstStyle/>
           <a:p>
             <a:r>
               <a:rPr lang="es-ES" sz="3200" dirty="0">
-                <a:solidFill>
-                  <a:schemeClr val="bg1"/>
-                </a:solidFill>
+                <a:latin typeface="Arial" panose="020B0604020202020204" pitchFamily="34" charset="0"/>
+                <a:cs typeface="Arial" panose="020B0604020202020204" pitchFamily="34" charset="0"/>
               </a:rPr>
-              <a:t>98% PROBABILIDAD </a:t>
-            </a:r>
-          </a:p>
-          <a:p>
-            <a:r>
-              <a:rPr lang="es-ES" sz="3200" dirty="0">
-                <a:solidFill>
-                  <a:schemeClr val="bg1"/>
-                </a:solidFill>
-              </a:rPr>
-              <a:t>DE QUE FALLE ANTES </a:t>
-            </a:r>
-          </a:p>
-          <a:p>
-            <a:r>
-              <a:rPr lang="es-ES" sz="3200" dirty="0">
-                <a:solidFill>
-                  <a:schemeClr val="bg1"/>
-                </a:solidFill>
-              </a:rPr>
-              <a:t>DE LOS DOS PROXIMOS</a:t>
-            </a:r>
-          </a:p>
-          <a:p>
-            <a:r>
-              <a:rPr lang="es-ES" sz="3200" dirty="0">
-                <a:solidFill>
-                  <a:schemeClr val="bg1"/>
-                </a:solidFill>
-              </a:rPr>
-              <a:t> AÑOS</a:t>
+              <a:t>98% de probabilidad de fallo</a:t>
             </a:r>
           </a:p>
         </p:txBody>
@@ -7943,16 +7909,15 @@
           </p:cNvPicPr>
           <p:nvPr/>
         </p:nvPicPr>
-        <p:blipFill>
+        <p:blipFill rotWithShape="1">
           <a:blip r:embed="rId2"/>
-          <a:stretch>
-            <a:fillRect/>
-          </a:stretch>
+          <a:srcRect b="14545"/>
+          <a:stretch/>
         </p:blipFill>
         <p:spPr>
           <a:xfrm>
-            <a:off x="3772704" y="2154816"/>
-            <a:ext cx="6238440" cy="1189533"/>
+            <a:off x="4969209" y="2242068"/>
+            <a:ext cx="6238440" cy="1016522"/>
           </a:xfrm>
           <a:prstGeom prst="rect">
             <a:avLst/>
@@ -8242,7 +8207,7 @@
         </p:nvSpPr>
         <p:spPr>
           <a:xfrm>
-            <a:off x="-7913" y="-367551"/>
+            <a:off x="261348" y="638290"/>
             <a:ext cx="5422097" cy="3615655"/>
           </a:xfrm>
         </p:spPr>
@@ -8380,8 +8345,8 @@
         </p:nvSpPr>
         <p:spPr>
           <a:xfrm>
-            <a:off x="184462" y="578503"/>
-            <a:ext cx="3665989" cy="861774"/>
+            <a:off x="132704" y="935949"/>
+            <a:ext cx="4111389" cy="923330"/>
           </a:xfrm>
           <a:prstGeom prst="rect">
             <a:avLst/>
@@ -8395,7 +8360,7 @@
           <a:lstStyle/>
           <a:p>
             <a:r>
-              <a:rPr lang="es-ES" sz="5000" b="1" dirty="0">
+              <a:rPr lang="es-ES" sz="5400" b="1" dirty="0">
                 <a:solidFill>
                   <a:schemeClr val="bg1"/>
                 </a:solidFill>
@@ -8407,10 +8372,10 @@
       </p:sp>
       <p:pic>
         <p:nvPicPr>
-          <p:cNvPr id="7" name="Imagen 6">
-            <a:extLst>
-              <a:ext uri="{FF2B5EF4-FFF2-40B4-BE49-F238E27FC236}">
-                <a16:creationId xmlns:a16="http://schemas.microsoft.com/office/drawing/2014/main" id="{92A96C72-7E1F-41AF-8510-539B15D1272A}"/>
+          <p:cNvPr id="5" name="Picture 4" descr="A close up of text on a black background&#10;&#10;Description automatically generated">
+            <a:extLst>
+              <a:ext uri="{FF2B5EF4-FFF2-40B4-BE49-F238E27FC236}">
+                <a16:creationId xmlns:a16="http://schemas.microsoft.com/office/drawing/2014/main" id="{9EDDE976-AD6C-4C13-827E-0FDF588C9E72}"/>
               </a:ext>
             </a:extLst>
           </p:cNvPr>
@@ -8427,8 +8392,8 @@
         </p:blipFill>
         <p:spPr>
           <a:xfrm>
-            <a:off x="4770873" y="1440276"/>
-            <a:ext cx="6694232" cy="4156743"/>
+            <a:off x="5003396" y="1515427"/>
+            <a:ext cx="6457950" cy="4010025"/>
           </a:xfrm>
           <a:prstGeom prst="rect">
             <a:avLst/>
@@ -8718,7 +8683,7 @@
         </p:nvSpPr>
         <p:spPr>
           <a:xfrm>
-            <a:off x="30011" y="578503"/>
+            <a:off x="261348" y="1452652"/>
             <a:ext cx="5422097" cy="3615655"/>
           </a:xfrm>
         </p:spPr>
@@ -8874,8 +8839,8 @@
         </p:nvSpPr>
         <p:spPr>
           <a:xfrm>
-            <a:off x="184462" y="578503"/>
-            <a:ext cx="3665989" cy="861774"/>
+            <a:off x="132704" y="758952"/>
+            <a:ext cx="3665989" cy="923330"/>
           </a:xfrm>
           <a:prstGeom prst="rect">
             <a:avLst/>
@@ -8889,12 +8854,12 @@
           <a:lstStyle/>
           <a:p>
             <a:r>
-              <a:rPr lang="es-ES" sz="5000" b="1" dirty="0">
+              <a:rPr lang="es-ES" sz="5400" b="1" dirty="0">
                 <a:solidFill>
                   <a:schemeClr val="bg1"/>
                 </a:solidFill>
               </a:rPr>
-              <a:t>Ejercicio 01</a:t>
+              <a:t>Ejercicio 02</a:t>
             </a:r>
           </a:p>
         </p:txBody>
@@ -9358,7 +9323,7 @@
         <p:spPr>
           <a:xfrm>
             <a:off x="290806" y="894989"/>
-            <a:ext cx="3665989" cy="861774"/>
+            <a:ext cx="3665989" cy="923330"/>
           </a:xfrm>
           <a:prstGeom prst="rect">
             <a:avLst/>
@@ -9372,7 +9337,7 @@
           <a:lstStyle/>
           <a:p>
             <a:r>
-              <a:rPr lang="es-ES" sz="5000" b="1" dirty="0">
+              <a:rPr lang="es-ES" sz="5400" b="1" dirty="0">
                 <a:solidFill>
                   <a:schemeClr val="bg1"/>
                 </a:solidFill>
@@ -9384,10 +9349,10 @@
       </p:sp>
       <p:pic>
         <p:nvPicPr>
-          <p:cNvPr id="5" name="Imagen 4">
-            <a:extLst>
-              <a:ext uri="{FF2B5EF4-FFF2-40B4-BE49-F238E27FC236}">
-                <a16:creationId xmlns:a16="http://schemas.microsoft.com/office/drawing/2014/main" id="{C989AEA0-D635-4B06-9565-949540D8714C}"/>
+          <p:cNvPr id="6" name="Picture 5" descr="A screenshot of a cell phone&#10;&#10;Description automatically generated">
+            <a:extLst>
+              <a:ext uri="{FF2B5EF4-FFF2-40B4-BE49-F238E27FC236}">
+                <a16:creationId xmlns:a16="http://schemas.microsoft.com/office/drawing/2014/main" id="{FA49443A-4988-400F-A345-74E0FC7C7DF1}"/>
               </a:ext>
             </a:extLst>
           </p:cNvPr>
@@ -9404,8 +9369,8 @@
         </p:blipFill>
         <p:spPr>
           <a:xfrm>
-            <a:off x="2831338" y="1700013"/>
-            <a:ext cx="8920204" cy="3825630"/>
+            <a:off x="2647995" y="1818319"/>
+            <a:ext cx="9039225" cy="3876675"/>
           </a:xfrm>
           <a:prstGeom prst="rect">
             <a:avLst/>
@@ -9695,7 +9660,7 @@
         </p:nvSpPr>
         <p:spPr>
           <a:xfrm>
-            <a:off x="184461" y="668104"/>
+            <a:off x="184461" y="1408386"/>
             <a:ext cx="5422097" cy="3615655"/>
           </a:xfrm>
         </p:spPr>
@@ -9859,8 +9824,8 @@
         </p:nvSpPr>
         <p:spPr>
           <a:xfrm>
-            <a:off x="184462" y="578503"/>
-            <a:ext cx="3665989" cy="861774"/>
+            <a:off x="176548" y="880425"/>
+            <a:ext cx="3772396" cy="923330"/>
           </a:xfrm>
           <a:prstGeom prst="rect">
             <a:avLst/>
@@ -9874,7 +9839,7 @@
           <a:lstStyle/>
           <a:p>
             <a:r>
-              <a:rPr lang="es-ES" sz="5000" b="1" dirty="0">
+              <a:rPr lang="es-ES" sz="5400" b="1" dirty="0">
                 <a:solidFill>
                   <a:schemeClr val="bg1"/>
                 </a:solidFill>
@@ -9906,7 +9871,7 @@
         </p:blipFill>
         <p:spPr>
           <a:xfrm>
-            <a:off x="4185319" y="1712315"/>
+            <a:off x="5181036" y="1803755"/>
             <a:ext cx="6506184" cy="3559987"/>
           </a:xfrm>
           <a:prstGeom prst="rect">
@@ -10197,7 +10162,7 @@
         </p:nvSpPr>
         <p:spPr>
           <a:xfrm>
-            <a:off x="-128644" y="0"/>
+            <a:off x="54158" y="739430"/>
             <a:ext cx="5422097" cy="3615655"/>
           </a:xfrm>
         </p:spPr>
@@ -10348,8 +10313,8 @@
         </p:nvSpPr>
         <p:spPr>
           <a:xfrm>
-            <a:off x="184462" y="578503"/>
-            <a:ext cx="3665989" cy="861774"/>
+            <a:off x="54158" y="706581"/>
+            <a:ext cx="3665989" cy="923330"/>
           </a:xfrm>
           <a:prstGeom prst="rect">
             <a:avLst/>
@@ -10363,7 +10328,7 @@
           <a:lstStyle/>
           <a:p>
             <a:r>
-              <a:rPr lang="es-ES" sz="5000" b="1" dirty="0">
+              <a:rPr lang="es-ES" sz="5400" b="1" dirty="0">
                 <a:solidFill>
                   <a:schemeClr val="bg1"/>
                 </a:solidFill>
@@ -10395,8 +10360,8 @@
         </p:blipFill>
         <p:spPr>
           <a:xfrm>
-            <a:off x="2834610" y="1289748"/>
-            <a:ext cx="7380171" cy="5350474"/>
+            <a:off x="4371371" y="739430"/>
+            <a:ext cx="7380171" cy="5411988"/>
           </a:xfrm>
           <a:prstGeom prst="rect">
             <a:avLst/>

--- a/Práctica 3/PRESENTACION.pptx
+++ b/Práctica 3/PRESENTACION.pptx
@@ -351,7 +351,7 @@
             <a:fld id="{5586B75A-687E-405C-8A0B-8D00578BA2C3}" type="datetimeFigureOut">
               <a:rPr lang="en-US" smtClean="0"/>
               <a:pPr/>
-              <a:t>1/13/2019</a:t>
+              <a:t>1/14/2019</a:t>
             </a:fld>
             <a:endParaRPr lang="en-US" dirty="0"/>
           </a:p>
@@ -523,7 +523,7 @@
             <a:fld id="{5586B75A-687E-405C-8A0B-8D00578BA2C3}" type="datetimeFigureOut">
               <a:rPr lang="en-US" smtClean="0"/>
               <a:pPr/>
-              <a:t>1/13/2019</a:t>
+              <a:t>1/14/2019</a:t>
             </a:fld>
             <a:endParaRPr lang="en-US" dirty="0"/>
           </a:p>
@@ -705,7 +705,7 @@
             <a:fld id="{5586B75A-687E-405C-8A0B-8D00578BA2C3}" type="datetimeFigureOut">
               <a:rPr lang="en-US" smtClean="0"/>
               <a:pPr/>
-              <a:t>1/13/2019</a:t>
+              <a:t>1/14/2019</a:t>
             </a:fld>
             <a:endParaRPr lang="en-US" dirty="0"/>
           </a:p>
@@ -877,7 +877,7 @@
             <a:fld id="{5586B75A-687E-405C-8A0B-8D00578BA2C3}" type="datetimeFigureOut">
               <a:rPr lang="en-US" smtClean="0"/>
               <a:pPr/>
-              <a:t>1/13/2019</a:t>
+              <a:t>1/14/2019</a:t>
             </a:fld>
             <a:endParaRPr lang="en-US" dirty="0"/>
           </a:p>
@@ -1137,7 +1137,7 @@
             <a:fld id="{5586B75A-687E-405C-8A0B-8D00578BA2C3}" type="datetimeFigureOut">
               <a:rPr lang="en-US" smtClean="0"/>
               <a:pPr/>
-              <a:t>1/13/2019</a:t>
+              <a:t>1/14/2019</a:t>
             </a:fld>
             <a:endParaRPr lang="en-US" dirty="0"/>
           </a:p>
@@ -1427,7 +1427,7 @@
             <a:fld id="{5586B75A-687E-405C-8A0B-8D00578BA2C3}" type="datetimeFigureOut">
               <a:rPr lang="en-US" smtClean="0"/>
               <a:pPr/>
-              <a:t>1/13/2019</a:t>
+              <a:t>1/14/2019</a:t>
             </a:fld>
             <a:endParaRPr lang="en-US" dirty="0"/>
           </a:p>
@@ -1871,7 +1871,7 @@
             <a:fld id="{5586B75A-687E-405C-8A0B-8D00578BA2C3}" type="datetimeFigureOut">
               <a:rPr lang="en-US" smtClean="0"/>
               <a:pPr/>
-              <a:t>1/13/2019</a:t>
+              <a:t>1/14/2019</a:t>
             </a:fld>
             <a:endParaRPr lang="en-US" dirty="0"/>
           </a:p>
@@ -1991,7 +1991,7 @@
             <a:fld id="{5586B75A-687E-405C-8A0B-8D00578BA2C3}" type="datetimeFigureOut">
               <a:rPr lang="en-US" smtClean="0"/>
               <a:pPr/>
-              <a:t>1/13/2019</a:t>
+              <a:t>1/14/2019</a:t>
             </a:fld>
             <a:endParaRPr lang="en-US" dirty="0"/>
           </a:p>
@@ -2088,7 +2088,7 @@
             <a:fld id="{5586B75A-687E-405C-8A0B-8D00578BA2C3}" type="datetimeFigureOut">
               <a:rPr lang="en-US" smtClean="0"/>
               <a:pPr/>
-              <a:t>1/13/2019</a:t>
+              <a:t>1/14/2019</a:t>
             </a:fld>
             <a:endParaRPr lang="en-US" dirty="0"/>
           </a:p>
@@ -2378,7 +2378,7 @@
             <a:fld id="{5586B75A-687E-405C-8A0B-8D00578BA2C3}" type="datetimeFigureOut">
               <a:rPr lang="en-US" smtClean="0"/>
               <a:pPr/>
-              <a:t>1/13/2019</a:t>
+              <a:t>1/14/2019</a:t>
             </a:fld>
             <a:endParaRPr lang="en-US" dirty="0"/>
           </a:p>
@@ -2653,7 +2653,7 @@
             <a:fld id="{5586B75A-687E-405C-8A0B-8D00578BA2C3}" type="datetimeFigureOut">
               <a:rPr lang="en-US" smtClean="0"/>
               <a:pPr/>
-              <a:t>1/13/2019</a:t>
+              <a:t>1/14/2019</a:t>
             </a:fld>
             <a:endParaRPr lang="en-US" dirty="0"/>
           </a:p>
@@ -2952,7 +2952,7 @@
             <a:fld id="{5586B75A-687E-405C-8A0B-8D00578BA2C3}" type="datetimeFigureOut">
               <a:rPr lang="en-US" smtClean="0"/>
               <a:pPr/>
-              <a:t>1/13/2019</a:t>
+              <a:t>1/14/2019</a:t>
             </a:fld>
             <a:endParaRPr lang="en-US" dirty="0"/>
           </a:p>
@@ -8372,10 +8372,10 @@
       </p:sp>
       <p:pic>
         <p:nvPicPr>
-          <p:cNvPr id="5" name="Picture 4" descr="A close up of text on a black background&#10;&#10;Description automatically generated">
-            <a:extLst>
-              <a:ext uri="{FF2B5EF4-FFF2-40B4-BE49-F238E27FC236}">
-                <a16:creationId xmlns:a16="http://schemas.microsoft.com/office/drawing/2014/main" id="{9EDDE976-AD6C-4C13-827E-0FDF588C9E72}"/>
+          <p:cNvPr id="6" name="Picture 5" descr="A close up of text on a black background&#10;&#10;Description automatically generated">
+            <a:extLst>
+              <a:ext uri="{FF2B5EF4-FFF2-40B4-BE49-F238E27FC236}">
+                <a16:creationId xmlns:a16="http://schemas.microsoft.com/office/drawing/2014/main" id="{213AB942-EAF5-4221-BF1D-ABBE56655755}"/>
               </a:ext>
             </a:extLst>
           </p:cNvPr>
@@ -8392,7 +8392,7 @@
         </p:blipFill>
         <p:spPr>
           <a:xfrm>
-            <a:off x="5003396" y="1515427"/>
+            <a:off x="5000071" y="1859279"/>
             <a:ext cx="6457950" cy="4010025"/>
           </a:xfrm>
           <a:prstGeom prst="rect">

--- a/Práctica 3/PRESENTACION.pptx
+++ b/Práctica 3/PRESENTACION.pptx
@@ -4089,8 +4089,8 @@
         </p:blipFill>
         <p:spPr>
           <a:xfrm>
-            <a:off x="4413890" y="1005840"/>
-            <a:ext cx="7364903" cy="5084064"/>
+            <a:off x="3285234" y="384627"/>
+            <a:ext cx="8807063" cy="6079601"/>
           </a:xfrm>
           <a:prstGeom prst="rect">
             <a:avLst/>
@@ -6059,8 +6059,8 @@
         </p:blipFill>
         <p:spPr>
           <a:xfrm>
-            <a:off x="5131696" y="1940511"/>
-            <a:ext cx="6194702" cy="3199142"/>
+            <a:off x="4795506" y="1784466"/>
+            <a:ext cx="6867081" cy="3546380"/>
           </a:xfrm>
           <a:prstGeom prst="rect">
             <a:avLst/>
@@ -7745,11 +7745,11 @@
             </a:r>
             <a:r>
               <a:rPr lang="en-US" b="1" spc="-100" dirty="0"/>
-              <a:t> de la </a:t>
+              <a:t> de </a:t>
             </a:r>
             <a:r>
               <a:rPr lang="en-US" b="1" spc="-100" dirty="0" err="1"/>
-              <a:t>probabilidad</a:t>
+              <a:t>probabilidades</a:t>
             </a:r>
             <a:br>
               <a:rPr lang="en-US" sz="5500" b="1" spc="-100" dirty="0"/>
@@ -7857,50 +7857,12 @@
           </a:p>
         </p:txBody>
       </p:sp>
-      <p:sp>
-        <p:nvSpPr>
-          <p:cNvPr id="6" name="CuadroTexto 5">
-            <a:extLst>
-              <a:ext uri="{FF2B5EF4-FFF2-40B4-BE49-F238E27FC236}">
-                <a16:creationId xmlns:a16="http://schemas.microsoft.com/office/drawing/2014/main" id="{0827A479-DA89-47C9-A934-FF54B4DA1B95}"/>
-              </a:ext>
-            </a:extLst>
-          </p:cNvPr>
-          <p:cNvSpPr txBox="1"/>
-          <p:nvPr/>
-        </p:nvSpPr>
-        <p:spPr>
-          <a:xfrm>
-            <a:off x="5040033" y="4471412"/>
-            <a:ext cx="5841326" cy="584775"/>
-          </a:xfrm>
-          <a:prstGeom prst="rect">
-            <a:avLst/>
-          </a:prstGeom>
-          <a:noFill/>
-        </p:spPr>
-        <p:txBody>
-          <a:bodyPr wrap="square" rtlCol="0">
-            <a:spAutoFit/>
-          </a:bodyPr>
-          <a:lstStyle/>
-          <a:p>
-            <a:r>
-              <a:rPr lang="es-ES" sz="3200" dirty="0">
-                <a:latin typeface="Arial" panose="020B0604020202020204" pitchFamily="34" charset="0"/>
-                <a:cs typeface="Arial" panose="020B0604020202020204" pitchFamily="34" charset="0"/>
-              </a:rPr>
-              <a:t>98% de probabilidad de fallo</a:t>
-            </a:r>
-          </a:p>
-        </p:txBody>
-      </p:sp>
       <p:pic>
         <p:nvPicPr>
-          <p:cNvPr id="7" name="Imagen 6">
-            <a:extLst>
-              <a:ext uri="{FF2B5EF4-FFF2-40B4-BE49-F238E27FC236}">
-                <a16:creationId xmlns:a16="http://schemas.microsoft.com/office/drawing/2014/main" id="{AA854CF9-1569-4B0F-ADDB-ADF171B96200}"/>
+          <p:cNvPr id="4" name="Picture 3">
+            <a:extLst>
+              <a:ext uri="{FF2B5EF4-FFF2-40B4-BE49-F238E27FC236}">
+                <a16:creationId xmlns:a16="http://schemas.microsoft.com/office/drawing/2014/main" id="{49376A92-FDBE-4A15-8EA2-7687FBB2C2DA}"/>
               </a:ext>
             </a:extLst>
           </p:cNvPr>
@@ -7911,13 +7873,179 @@
         </p:nvPicPr>
         <p:blipFill rotWithShape="1">
           <a:blip r:embed="rId2"/>
-          <a:srcRect b="14545"/>
+          <a:srcRect l="2304" t="49244" b="7112"/>
           <a:stretch/>
         </p:blipFill>
         <p:spPr>
           <a:xfrm>
-            <a:off x="4969209" y="2242068"/>
-            <a:ext cx="6238440" cy="1016522"/>
+            <a:off x="4926337" y="4035222"/>
+            <a:ext cx="6753413" cy="790732"/>
+          </a:xfrm>
+          <a:prstGeom prst="rect">
+            <a:avLst/>
+          </a:prstGeom>
+        </p:spPr>
+      </p:pic>
+      <p:pic>
+        <p:nvPicPr>
+          <p:cNvPr id="5" name="Picture 4">
+            <a:extLst>
+              <a:ext uri="{FF2B5EF4-FFF2-40B4-BE49-F238E27FC236}">
+                <a16:creationId xmlns:a16="http://schemas.microsoft.com/office/drawing/2014/main" id="{99F358C9-2CA3-4DBD-B4E2-8EA649C05C36}"/>
+              </a:ext>
+            </a:extLst>
+          </p:cNvPr>
+          <p:cNvPicPr>
+            <a:picLocks noChangeAspect="1"/>
+          </p:cNvPicPr>
+          <p:nvPr/>
+        </p:nvPicPr>
+        <p:blipFill rotWithShape="1">
+          <a:blip r:embed="rId3"/>
+          <a:srcRect l="2264" b="9957"/>
+          <a:stretch/>
+        </p:blipFill>
+        <p:spPr>
+          <a:xfrm>
+            <a:off x="4903230" y="1262288"/>
+            <a:ext cx="6776520" cy="780396"/>
+          </a:xfrm>
+          <a:prstGeom prst="rect">
+            <a:avLst/>
+          </a:prstGeom>
+        </p:spPr>
+      </p:pic>
+      <p:sp>
+        <p:nvSpPr>
+          <p:cNvPr id="8" name="TextBox 7">
+            <a:extLst>
+              <a:ext uri="{FF2B5EF4-FFF2-40B4-BE49-F238E27FC236}">
+                <a16:creationId xmlns:a16="http://schemas.microsoft.com/office/drawing/2014/main" id="{4B81B848-BFF5-460D-9456-007B8A3B24EC}"/>
+              </a:ext>
+            </a:extLst>
+          </p:cNvPr>
+          <p:cNvSpPr txBox="1"/>
+          <p:nvPr/>
+        </p:nvSpPr>
+        <p:spPr>
+          <a:xfrm>
+            <a:off x="4860115" y="672066"/>
+            <a:ext cx="4254691" cy="523220"/>
+          </a:xfrm>
+          <a:prstGeom prst="rect">
+            <a:avLst/>
+          </a:prstGeom>
+          <a:noFill/>
+        </p:spPr>
+        <p:txBody>
+          <a:bodyPr wrap="none" rtlCol="0">
+            <a:spAutoFit/>
+          </a:bodyPr>
+          <a:lstStyle/>
+          <a:p>
+            <a:r>
+              <a:rPr lang="es-ES" sz="2800" b="1" dirty="0"/>
+              <a:t>Probabilidad fallo baterías</a:t>
+            </a:r>
+            <a:endParaRPr lang="en-US" sz="2800" b="1" dirty="0"/>
+          </a:p>
+        </p:txBody>
+      </p:sp>
+      <p:sp>
+        <p:nvSpPr>
+          <p:cNvPr id="14" name="TextBox 13">
+            <a:extLst>
+              <a:ext uri="{FF2B5EF4-FFF2-40B4-BE49-F238E27FC236}">
+                <a16:creationId xmlns:a16="http://schemas.microsoft.com/office/drawing/2014/main" id="{10AF980E-A165-41BC-B83D-D960D910A58C}"/>
+              </a:ext>
+            </a:extLst>
+          </p:cNvPr>
+          <p:cNvSpPr txBox="1"/>
+          <p:nvPr/>
+        </p:nvSpPr>
+        <p:spPr>
+          <a:xfrm>
+            <a:off x="4860115" y="2162073"/>
+            <a:ext cx="4039888" cy="523220"/>
+          </a:xfrm>
+          <a:prstGeom prst="rect">
+            <a:avLst/>
+          </a:prstGeom>
+          <a:noFill/>
+        </p:spPr>
+        <p:txBody>
+          <a:bodyPr wrap="none" rtlCol="0">
+            <a:spAutoFit/>
+          </a:bodyPr>
+          <a:lstStyle/>
+          <a:p>
+            <a:r>
+              <a:rPr lang="es-ES" sz="2800" b="1" dirty="0"/>
+              <a:t>Probabilidad fallo ruedas</a:t>
+            </a:r>
+            <a:endParaRPr lang="en-US" sz="2800" b="1" dirty="0"/>
+          </a:p>
+        </p:txBody>
+      </p:sp>
+      <p:sp>
+        <p:nvSpPr>
+          <p:cNvPr id="16" name="TextBox 15">
+            <a:extLst>
+              <a:ext uri="{FF2B5EF4-FFF2-40B4-BE49-F238E27FC236}">
+                <a16:creationId xmlns:a16="http://schemas.microsoft.com/office/drawing/2014/main" id="{BEF7D9FE-2ADB-4DD3-9512-C89DE67F3420}"/>
+              </a:ext>
+            </a:extLst>
+          </p:cNvPr>
+          <p:cNvSpPr txBox="1"/>
+          <p:nvPr/>
+        </p:nvSpPr>
+        <p:spPr>
+          <a:xfrm>
+            <a:off x="4838908" y="3455513"/>
+            <a:ext cx="3874779" cy="523220"/>
+          </a:xfrm>
+          <a:prstGeom prst="rect">
+            <a:avLst/>
+          </a:prstGeom>
+          <a:noFill/>
+        </p:spPr>
+        <p:txBody>
+          <a:bodyPr wrap="none" rtlCol="0">
+            <a:spAutoFit/>
+          </a:bodyPr>
+          <a:lstStyle/>
+          <a:p>
+            <a:r>
+              <a:rPr lang="es-ES" sz="2800" b="1" dirty="0"/>
+              <a:t>Probabilidad fallo brazo</a:t>
+            </a:r>
+            <a:endParaRPr lang="en-US" sz="2800" b="1" dirty="0"/>
+          </a:p>
+        </p:txBody>
+      </p:sp>
+      <p:pic>
+        <p:nvPicPr>
+          <p:cNvPr id="18" name="Picture 17">
+            <a:extLst>
+              <a:ext uri="{FF2B5EF4-FFF2-40B4-BE49-F238E27FC236}">
+                <a16:creationId xmlns:a16="http://schemas.microsoft.com/office/drawing/2014/main" id="{3117F84B-1666-4195-9A63-BE5D2CBD4947}"/>
+              </a:ext>
+            </a:extLst>
+          </p:cNvPr>
+          <p:cNvPicPr>
+            <a:picLocks noChangeAspect="1"/>
+          </p:cNvPicPr>
+          <p:nvPr/>
+        </p:nvPicPr>
+        <p:blipFill rotWithShape="1">
+          <a:blip r:embed="rId2"/>
+          <a:srcRect l="1686" t="1722" r="-236" b="51035"/>
+          <a:stretch/>
+        </p:blipFill>
+        <p:spPr>
+          <a:xfrm>
+            <a:off x="4903230" y="2670679"/>
+            <a:ext cx="6812416" cy="855937"/>
           </a:xfrm>
           <a:prstGeom prst="rect">
             <a:avLst/>
@@ -9369,8 +9497,8 @@
         </p:blipFill>
         <p:spPr>
           <a:xfrm>
-            <a:off x="2647995" y="1818319"/>
-            <a:ext cx="9039225" cy="3876675"/>
+            <a:off x="2240303" y="1574291"/>
+            <a:ext cx="9567648" cy="4103301"/>
           </a:xfrm>
           <a:prstGeom prst="rect">
             <a:avLst/>
